--- a/Azure Durable Functions.pptx
+++ b/Azure Durable Functions.pptx
@@ -6,6 +6,9 @@
   </p:sldMasterIdLst>
   <p:sldIdLst>
     <p:sldId id="256" r:id="rId2"/>
+    <p:sldId id="257" r:id="rId3"/>
+    <p:sldId id="258" r:id="rId4"/>
+    <p:sldId id="259" r:id="rId5"/>
   </p:sldIdLst>
   <p:sldSz cx="12192000" cy="6858000"/>
   <p:notesSz cx="6858000" cy="9144000"/>
@@ -104,6 +107,11 @@
       </a:defRPr>
     </a:lvl9pPr>
   </p:defaultTextStyle>
+  <p:extLst>
+    <p:ext uri="{EFAFB233-063F-42B5-8137-9DF3F51BA10A}">
+      <p15:sldGuideLst xmlns:p15="http://schemas.microsoft.com/office/powerpoint/2012/main"/>
+    </p:ext>
+  </p:extLst>
 </p:presentation>
 </file>
 
@@ -5497,6 +5505,993 @@
 </p:sld>
 </file>
 
+<file path=ppt/slides/slide2.xml><?xml version="1.0" encoding="utf-8"?>
+<p:sld xmlns:a="http://schemas.openxmlformats.org/drawingml/2006/main" xmlns:r="http://schemas.openxmlformats.org/officeDocument/2006/relationships" xmlns:p="http://schemas.openxmlformats.org/presentationml/2006/main">
+  <p:cSld>
+    <p:spTree>
+      <p:nvGrpSpPr>
+        <p:cNvPr id="1" name=""/>
+        <p:cNvGrpSpPr/>
+        <p:nvPr/>
+      </p:nvGrpSpPr>
+      <p:grpSpPr>
+        <a:xfrm>
+          <a:off x="0" y="0"/>
+          <a:ext cx="0" cy="0"/>
+          <a:chOff x="0" y="0"/>
+          <a:chExt cx="0" cy="0"/>
+        </a:xfrm>
+      </p:grpSpPr>
+      <p:sp>
+        <p:nvSpPr>
+          <p:cNvPr id="2" name="Title 1">
+            <a:extLst>
+              <a:ext uri="{FF2B5EF4-FFF2-40B4-BE49-F238E27FC236}">
+                <a16:creationId xmlns:a16="http://schemas.microsoft.com/office/drawing/2014/main" id="{155E97FF-717B-4B13-8C64-1E94B3639E14}"/>
+              </a:ext>
+            </a:extLst>
+          </p:cNvPr>
+          <p:cNvSpPr>
+            <a:spLocks noGrp="1"/>
+          </p:cNvSpPr>
+          <p:nvPr>
+            <p:ph type="title"/>
+          </p:nvPr>
+        </p:nvSpPr>
+        <p:spPr>
+          <a:xfrm>
+            <a:off x="581575" y="325879"/>
+            <a:ext cx="8534400" cy="1507067"/>
+          </a:xfrm>
+        </p:spPr>
+        <p:txBody>
+          <a:bodyPr/>
+          <a:lstStyle/>
+          <a:p>
+            <a:r>
+              <a:rPr lang="en-AU" dirty="0"/>
+              <a:t>Regular Azure Functions</a:t>
+            </a:r>
+          </a:p>
+        </p:txBody>
+      </p:sp>
+      <p:sp>
+        <p:nvSpPr>
+          <p:cNvPr id="3" name="Content Placeholder 2">
+            <a:extLst>
+              <a:ext uri="{FF2B5EF4-FFF2-40B4-BE49-F238E27FC236}">
+                <a16:creationId xmlns:a16="http://schemas.microsoft.com/office/drawing/2014/main" id="{42640823-B4D8-4232-A603-87D98288E9E1}"/>
+              </a:ext>
+            </a:extLst>
+          </p:cNvPr>
+          <p:cNvSpPr>
+            <a:spLocks noGrp="1"/>
+          </p:cNvSpPr>
+          <p:nvPr>
+            <p:ph idx="1"/>
+          </p:nvPr>
+        </p:nvSpPr>
+        <p:spPr>
+          <a:xfrm>
+            <a:off x="1066768" y="1832945"/>
+            <a:ext cx="8534400" cy="3933373"/>
+          </a:xfrm>
+        </p:spPr>
+        <p:txBody>
+          <a:bodyPr>
+            <a:normAutofit/>
+          </a:bodyPr>
+          <a:lstStyle/>
+          <a:p>
+            <a:r>
+              <a:rPr lang="en-AU" dirty="0"/>
+              <a:t>Serverless</a:t>
+            </a:r>
+          </a:p>
+          <a:p>
+            <a:r>
+              <a:rPr lang="en-AU" dirty="0"/>
+              <a:t>Choice of language:  C#, </a:t>
+            </a:r>
+            <a:r>
+              <a:rPr lang="en-AU" dirty="0" err="1"/>
+              <a:t>Javascript</a:t>
+            </a:r>
+            <a:r>
+              <a:rPr lang="en-AU" dirty="0"/>
+              <a:t>, F#, Java, </a:t>
+            </a:r>
+            <a:r>
+              <a:rPr lang="en-AU" dirty="0" err="1"/>
+              <a:t>Powershell</a:t>
+            </a:r>
+            <a:r>
+              <a:rPr lang="en-AU" dirty="0"/>
+              <a:t>, Python, Typescript</a:t>
+            </a:r>
+          </a:p>
+          <a:p>
+            <a:r>
+              <a:rPr lang="en-AU" dirty="0"/>
+              <a:t>Small units of code / functionality</a:t>
+            </a:r>
+          </a:p>
+          <a:p>
+            <a:r>
+              <a:rPr lang="en-AU" dirty="0"/>
+              <a:t>Autoscaling</a:t>
+            </a:r>
+          </a:p>
+          <a:p>
+            <a:r>
+              <a:rPr lang="en-AU" dirty="0"/>
+              <a:t>Pay-per-use pricing model</a:t>
+            </a:r>
+          </a:p>
+          <a:p>
+            <a:r>
+              <a:rPr lang="en-AU" dirty="0"/>
+              <a:t>Input / output binding</a:t>
+            </a:r>
+          </a:p>
+        </p:txBody>
+      </p:sp>
+    </p:spTree>
+    <p:extLst>
+      <p:ext uri="{BB962C8B-B14F-4D97-AF65-F5344CB8AC3E}">
+        <p14:creationId xmlns:p14="http://schemas.microsoft.com/office/powerpoint/2010/main" val="2149038900"/>
+      </p:ext>
+    </p:extLst>
+  </p:cSld>
+  <p:clrMapOvr>
+    <a:masterClrMapping/>
+  </p:clrMapOvr>
+</p:sld>
+</file>
+
+<file path=ppt/slides/slide3.xml><?xml version="1.0" encoding="utf-8"?>
+<p:sld xmlns:a="http://schemas.openxmlformats.org/drawingml/2006/main" xmlns:r="http://schemas.openxmlformats.org/officeDocument/2006/relationships" xmlns:p="http://schemas.openxmlformats.org/presentationml/2006/main">
+  <p:cSld>
+    <p:spTree>
+      <p:nvGrpSpPr>
+        <p:cNvPr id="1" name=""/>
+        <p:cNvGrpSpPr/>
+        <p:nvPr/>
+      </p:nvGrpSpPr>
+      <p:grpSpPr>
+        <a:xfrm>
+          <a:off x="0" y="0"/>
+          <a:ext cx="0" cy="0"/>
+          <a:chOff x="0" y="0"/>
+          <a:chExt cx="0" cy="0"/>
+        </a:xfrm>
+      </p:grpSpPr>
+      <p:sp>
+        <p:nvSpPr>
+          <p:cNvPr id="2" name="Title 1">
+            <a:extLst>
+              <a:ext uri="{FF2B5EF4-FFF2-40B4-BE49-F238E27FC236}">
+                <a16:creationId xmlns:a16="http://schemas.microsoft.com/office/drawing/2014/main" id="{17BE5282-ACA4-4E72-BC08-E251C754447D}"/>
+              </a:ext>
+            </a:extLst>
+          </p:cNvPr>
+          <p:cNvSpPr>
+            <a:spLocks noGrp="1"/>
+          </p:cNvSpPr>
+          <p:nvPr>
+            <p:ph type="title"/>
+          </p:nvPr>
+        </p:nvSpPr>
+        <p:spPr>
+          <a:xfrm>
+            <a:off x="364665" y="4851125"/>
+            <a:ext cx="10232604" cy="1507067"/>
+          </a:xfrm>
+        </p:spPr>
+        <p:txBody>
+          <a:bodyPr>
+            <a:normAutofit/>
+          </a:bodyPr>
+          <a:lstStyle/>
+          <a:p>
+            <a:r>
+              <a:rPr lang="en-AU" sz="3200" dirty="0"/>
+              <a:t>Typical examples using azure functions</a:t>
+            </a:r>
+          </a:p>
+        </p:txBody>
+      </p:sp>
+      <p:sp>
+        <p:nvSpPr>
+          <p:cNvPr id="3" name="Content Placeholder 2">
+            <a:extLst>
+              <a:ext uri="{FF2B5EF4-FFF2-40B4-BE49-F238E27FC236}">
+                <a16:creationId xmlns:a16="http://schemas.microsoft.com/office/drawing/2014/main" id="{8DCB4C62-9126-4C59-A5EA-C7842F0E1B05}"/>
+              </a:ext>
+            </a:extLst>
+          </p:cNvPr>
+          <p:cNvSpPr>
+            <a:spLocks noGrp="1"/>
+          </p:cNvSpPr>
+          <p:nvPr>
+            <p:ph idx="1"/>
+          </p:nvPr>
+        </p:nvSpPr>
+        <p:spPr>
+          <a:xfrm>
+            <a:off x="364665" y="2956504"/>
+            <a:ext cx="2845569" cy="815976"/>
+          </a:xfrm>
+        </p:spPr>
+        <p:txBody>
+          <a:bodyPr/>
+          <a:lstStyle/>
+          <a:p>
+            <a:r>
+              <a:rPr lang="en-AU" dirty="0"/>
+              <a:t>Function fan out: </a:t>
+            </a:r>
+          </a:p>
+        </p:txBody>
+      </p:sp>
+      <p:pic>
+        <p:nvPicPr>
+          <p:cNvPr id="1026" name="Picture 2" descr="A diagram of the function chaining pattern">
+            <a:extLst>
+              <a:ext uri="{FF2B5EF4-FFF2-40B4-BE49-F238E27FC236}">
+                <a16:creationId xmlns:a16="http://schemas.microsoft.com/office/drawing/2014/main" id="{828F1B90-79C6-42B0-AEB0-3D92C177EED5}"/>
+              </a:ext>
+            </a:extLst>
+          </p:cNvPr>
+          <p:cNvPicPr>
+            <a:picLocks noChangeAspect="1" noChangeArrowheads="1"/>
+          </p:cNvPicPr>
+          <p:nvPr/>
+        </p:nvPicPr>
+        <p:blipFill>
+          <a:blip r:embed="rId2">
+            <a:extLst>
+              <a:ext uri="{28A0092B-C50C-407E-A947-70E740481C1C}">
+                <a14:useLocalDpi xmlns:a14="http://schemas.microsoft.com/office/drawing/2010/main" val="0"/>
+              </a:ext>
+            </a:extLst>
+          </a:blip>
+          <a:srcRect/>
+          <a:stretch>
+            <a:fillRect/>
+          </a:stretch>
+        </p:blipFill>
+        <p:spPr bwMode="auto">
+          <a:xfrm>
+            <a:off x="3215147" y="499808"/>
+            <a:ext cx="7858125" cy="1400175"/>
+          </a:xfrm>
+          <a:prstGeom prst="rect">
+            <a:avLst/>
+          </a:prstGeom>
+          <a:noFill/>
+          <a:extLst>
+            <a:ext uri="{909E8E84-426E-40DD-AFC4-6F175D3DCCD1}">
+              <a14:hiddenFill xmlns:a14="http://schemas.microsoft.com/office/drawing/2010/main">
+                <a:solidFill>
+                  <a:srgbClr val="FFFFFF"/>
+                </a:solidFill>
+              </a14:hiddenFill>
+            </a:ext>
+          </a:extLst>
+        </p:spPr>
+      </p:pic>
+      <p:pic>
+        <p:nvPicPr>
+          <p:cNvPr id="4" name="Picture 3">
+            <a:extLst>
+              <a:ext uri="{FF2B5EF4-FFF2-40B4-BE49-F238E27FC236}">
+                <a16:creationId xmlns:a16="http://schemas.microsoft.com/office/drawing/2014/main" id="{130762B4-685C-48C5-8F57-418C28A83C68}"/>
+              </a:ext>
+            </a:extLst>
+          </p:cNvPr>
+          <p:cNvPicPr>
+            <a:picLocks noChangeAspect="1"/>
+          </p:cNvPicPr>
+          <p:nvPr/>
+        </p:nvPicPr>
+        <p:blipFill>
+          <a:blip r:embed="rId3"/>
+          <a:stretch>
+            <a:fillRect/>
+          </a:stretch>
+        </p:blipFill>
+        <p:spPr>
+          <a:xfrm>
+            <a:off x="3215147" y="2439433"/>
+            <a:ext cx="2353816" cy="1850119"/>
+          </a:xfrm>
+          <a:prstGeom prst="rect">
+            <a:avLst/>
+          </a:prstGeom>
+        </p:spPr>
+      </p:pic>
+      <p:sp>
+        <p:nvSpPr>
+          <p:cNvPr id="9" name="Content Placeholder 2">
+            <a:extLst>
+              <a:ext uri="{FF2B5EF4-FFF2-40B4-BE49-F238E27FC236}">
+                <a16:creationId xmlns:a16="http://schemas.microsoft.com/office/drawing/2014/main" id="{647E3ABD-1671-407A-809E-27CA796B65D1}"/>
+              </a:ext>
+            </a:extLst>
+          </p:cNvPr>
+          <p:cNvSpPr txBox="1">
+            <a:spLocks/>
+          </p:cNvSpPr>
+          <p:nvPr/>
+        </p:nvSpPr>
+        <p:spPr>
+          <a:xfrm>
+            <a:off x="364665" y="944307"/>
+            <a:ext cx="2845569" cy="815976"/>
+          </a:xfrm>
+          <a:prstGeom prst="rect">
+            <a:avLst/>
+          </a:prstGeom>
+        </p:spPr>
+        <p:txBody>
+          <a:bodyPr vert="horz" lIns="91440" tIns="45720" rIns="91440" bIns="45720" rtlCol="0" anchor="ctr">
+            <a:normAutofit/>
+          </a:bodyPr>
+          <a:lstStyle>
+            <a:lvl1pPr marL="285750" indent="-285750" algn="l" defTabSz="457200" rtl="0" eaLnBrk="1" latinLnBrk="0" hangingPunct="1">
+              <a:spcBef>
+                <a:spcPct val="20000"/>
+              </a:spcBef>
+              <a:spcAft>
+                <a:spcPts val="600"/>
+              </a:spcAft>
+              <a:buClr>
+                <a:schemeClr val="tx1"/>
+              </a:buClr>
+              <a:buSzPct val="80000"/>
+              <a:buFont typeface="Wingdings 3" panose="05040102010807070707" pitchFamily="18" charset="2"/>
+              <a:buChar char=""/>
+              <a:defRPr sz="2000" kern="1200" cap="none">
+                <a:solidFill>
+                  <a:schemeClr val="bg2">
+                    <a:lumMod val="75000"/>
+                  </a:schemeClr>
+                </a:solidFill>
+                <a:effectLst/>
+                <a:latin typeface="+mn-lt"/>
+                <a:ea typeface="+mn-ea"/>
+                <a:cs typeface="+mn-cs"/>
+              </a:defRPr>
+            </a:lvl1pPr>
+            <a:lvl2pPr marL="742950" indent="-285750" algn="l" defTabSz="457200" rtl="0" eaLnBrk="1" latinLnBrk="0" hangingPunct="1">
+              <a:spcBef>
+                <a:spcPct val="20000"/>
+              </a:spcBef>
+              <a:spcAft>
+                <a:spcPts val="600"/>
+              </a:spcAft>
+              <a:buClr>
+                <a:schemeClr val="tx1"/>
+              </a:buClr>
+              <a:buSzPct val="80000"/>
+              <a:buFont typeface="Wingdings 3" panose="05040102010807070707" pitchFamily="18" charset="2"/>
+              <a:buChar char=""/>
+              <a:defRPr sz="1800" kern="1200" cap="none">
+                <a:solidFill>
+                  <a:schemeClr val="bg2">
+                    <a:lumMod val="75000"/>
+                  </a:schemeClr>
+                </a:solidFill>
+                <a:effectLst/>
+                <a:latin typeface="+mn-lt"/>
+                <a:ea typeface="+mn-ea"/>
+                <a:cs typeface="+mn-cs"/>
+              </a:defRPr>
+            </a:lvl2pPr>
+            <a:lvl3pPr marL="1200150" indent="-285750" algn="l" defTabSz="457200" rtl="0" eaLnBrk="1" latinLnBrk="0" hangingPunct="1">
+              <a:spcBef>
+                <a:spcPct val="20000"/>
+              </a:spcBef>
+              <a:spcAft>
+                <a:spcPts val="600"/>
+              </a:spcAft>
+              <a:buClr>
+                <a:schemeClr val="tx1"/>
+              </a:buClr>
+              <a:buSzPct val="80000"/>
+              <a:buFont typeface="Wingdings 3" panose="05040102010807070707" pitchFamily="18" charset="2"/>
+              <a:buChar char=""/>
+              <a:defRPr sz="1600" kern="1200" cap="none">
+                <a:solidFill>
+                  <a:schemeClr val="bg2">
+                    <a:lumMod val="75000"/>
+                  </a:schemeClr>
+                </a:solidFill>
+                <a:effectLst/>
+                <a:latin typeface="+mn-lt"/>
+                <a:ea typeface="+mn-ea"/>
+                <a:cs typeface="+mn-cs"/>
+              </a:defRPr>
+            </a:lvl3pPr>
+            <a:lvl4pPr marL="1543050" indent="-171450" algn="l" defTabSz="457200" rtl="0" eaLnBrk="1" latinLnBrk="0" hangingPunct="1">
+              <a:spcBef>
+                <a:spcPct val="20000"/>
+              </a:spcBef>
+              <a:spcAft>
+                <a:spcPts val="600"/>
+              </a:spcAft>
+              <a:buClr>
+                <a:schemeClr val="tx1"/>
+              </a:buClr>
+              <a:buSzPct val="80000"/>
+              <a:buFont typeface="Wingdings 3" panose="05040102010807070707" pitchFamily="18" charset="2"/>
+              <a:buChar char=""/>
+              <a:defRPr sz="1400" kern="1200" cap="none">
+                <a:solidFill>
+                  <a:schemeClr val="bg2">
+                    <a:lumMod val="75000"/>
+                  </a:schemeClr>
+                </a:solidFill>
+                <a:effectLst/>
+                <a:latin typeface="+mn-lt"/>
+                <a:ea typeface="+mn-ea"/>
+                <a:cs typeface="+mn-cs"/>
+              </a:defRPr>
+            </a:lvl4pPr>
+            <a:lvl5pPr marL="2000250" indent="-171450" algn="l" defTabSz="457200" rtl="0" eaLnBrk="1" latinLnBrk="0" hangingPunct="1">
+              <a:spcBef>
+                <a:spcPct val="20000"/>
+              </a:spcBef>
+              <a:spcAft>
+                <a:spcPts val="600"/>
+              </a:spcAft>
+              <a:buClr>
+                <a:schemeClr val="tx1"/>
+              </a:buClr>
+              <a:buSzPct val="80000"/>
+              <a:buFont typeface="Wingdings 3" panose="05040102010807070707" pitchFamily="18" charset="2"/>
+              <a:buChar char=""/>
+              <a:defRPr sz="1400" kern="1200" cap="none">
+                <a:solidFill>
+                  <a:schemeClr val="bg2">
+                    <a:lumMod val="75000"/>
+                  </a:schemeClr>
+                </a:solidFill>
+                <a:effectLst/>
+                <a:latin typeface="+mn-lt"/>
+                <a:ea typeface="+mn-ea"/>
+                <a:cs typeface="+mn-cs"/>
+              </a:defRPr>
+            </a:lvl5pPr>
+            <a:lvl6pPr marL="2514600" indent="-228600" algn="l" defTabSz="457200" rtl="0" eaLnBrk="1" latinLnBrk="0" hangingPunct="1">
+              <a:spcBef>
+                <a:spcPct val="20000"/>
+              </a:spcBef>
+              <a:spcAft>
+                <a:spcPts val="600"/>
+              </a:spcAft>
+              <a:buClr>
+                <a:schemeClr val="tx1"/>
+              </a:buClr>
+              <a:buSzPct val="80000"/>
+              <a:buFont typeface="Wingdings 3" panose="05040102010807070707" pitchFamily="18" charset="2"/>
+              <a:buChar char=""/>
+              <a:defRPr sz="1400" kern="1200" cap="none">
+                <a:solidFill>
+                  <a:schemeClr val="bg2">
+                    <a:lumMod val="75000"/>
+                  </a:schemeClr>
+                </a:solidFill>
+                <a:effectLst/>
+                <a:latin typeface="+mn-lt"/>
+                <a:ea typeface="+mn-ea"/>
+                <a:cs typeface="+mn-cs"/>
+              </a:defRPr>
+            </a:lvl6pPr>
+            <a:lvl7pPr marL="2971800" indent="-228600" algn="l" defTabSz="457200" rtl="0" eaLnBrk="1" latinLnBrk="0" hangingPunct="1">
+              <a:spcBef>
+                <a:spcPct val="20000"/>
+              </a:spcBef>
+              <a:spcAft>
+                <a:spcPts val="600"/>
+              </a:spcAft>
+              <a:buClr>
+                <a:schemeClr val="tx1"/>
+              </a:buClr>
+              <a:buSzPct val="80000"/>
+              <a:buFont typeface="Wingdings 3" panose="05040102010807070707" pitchFamily="18" charset="2"/>
+              <a:buChar char=""/>
+              <a:defRPr sz="1400" kern="1200" cap="none">
+                <a:solidFill>
+                  <a:schemeClr val="bg2">
+                    <a:lumMod val="75000"/>
+                  </a:schemeClr>
+                </a:solidFill>
+                <a:effectLst/>
+                <a:latin typeface="+mn-lt"/>
+                <a:ea typeface="+mn-ea"/>
+                <a:cs typeface="+mn-cs"/>
+              </a:defRPr>
+            </a:lvl7pPr>
+            <a:lvl8pPr marL="3429000" indent="-228600" algn="l" defTabSz="457200" rtl="0" eaLnBrk="1" latinLnBrk="0" hangingPunct="1">
+              <a:spcBef>
+                <a:spcPct val="20000"/>
+              </a:spcBef>
+              <a:spcAft>
+                <a:spcPts val="600"/>
+              </a:spcAft>
+              <a:buClr>
+                <a:schemeClr val="tx1"/>
+              </a:buClr>
+              <a:buSzPct val="80000"/>
+              <a:buFont typeface="Wingdings 3" panose="05040102010807070707" pitchFamily="18" charset="2"/>
+              <a:buChar char=""/>
+              <a:defRPr sz="1400" kern="1200" cap="none">
+                <a:solidFill>
+                  <a:schemeClr val="bg2">
+                    <a:lumMod val="75000"/>
+                  </a:schemeClr>
+                </a:solidFill>
+                <a:effectLst/>
+                <a:latin typeface="+mn-lt"/>
+                <a:ea typeface="+mn-ea"/>
+                <a:cs typeface="+mn-cs"/>
+              </a:defRPr>
+            </a:lvl8pPr>
+            <a:lvl9pPr marL="3886200" indent="-228600" algn="l" defTabSz="457200" rtl="0" eaLnBrk="1" latinLnBrk="0" hangingPunct="1">
+              <a:spcBef>
+                <a:spcPct val="20000"/>
+              </a:spcBef>
+              <a:spcAft>
+                <a:spcPts val="600"/>
+              </a:spcAft>
+              <a:buClr>
+                <a:schemeClr val="tx1"/>
+              </a:buClr>
+              <a:buSzPct val="80000"/>
+              <a:buFont typeface="Wingdings 3" panose="05040102010807070707" pitchFamily="18" charset="2"/>
+              <a:buChar char=""/>
+              <a:defRPr sz="1400" kern="1200" cap="none">
+                <a:solidFill>
+                  <a:schemeClr val="bg2">
+                    <a:lumMod val="75000"/>
+                  </a:schemeClr>
+                </a:solidFill>
+                <a:effectLst/>
+                <a:latin typeface="+mn-lt"/>
+                <a:ea typeface="+mn-ea"/>
+                <a:cs typeface="+mn-cs"/>
+              </a:defRPr>
+            </a:lvl9pPr>
+          </a:lstStyle>
+          <a:p>
+            <a:r>
+              <a:rPr lang="en-AU"/>
+              <a:t>Function chaining: </a:t>
+            </a:r>
+            <a:endParaRPr lang="en-AU" dirty="0"/>
+          </a:p>
+        </p:txBody>
+      </p:sp>
+    </p:spTree>
+    <p:extLst>
+      <p:ext uri="{BB962C8B-B14F-4D97-AF65-F5344CB8AC3E}">
+        <p14:creationId xmlns:p14="http://schemas.microsoft.com/office/powerpoint/2010/main" val="4033170180"/>
+      </p:ext>
+    </p:extLst>
+  </p:cSld>
+  <p:clrMapOvr>
+    <a:masterClrMapping/>
+  </p:clrMapOvr>
+</p:sld>
+</file>
+
+<file path=ppt/slides/slide4.xml><?xml version="1.0" encoding="utf-8"?>
+<p:sld xmlns:a="http://schemas.openxmlformats.org/drawingml/2006/main" xmlns:r="http://schemas.openxmlformats.org/officeDocument/2006/relationships" xmlns:p="http://schemas.openxmlformats.org/presentationml/2006/main">
+  <p:cSld>
+    <p:spTree>
+      <p:nvGrpSpPr>
+        <p:cNvPr id="1" name=""/>
+        <p:cNvGrpSpPr/>
+        <p:nvPr/>
+      </p:nvGrpSpPr>
+      <p:grpSpPr>
+        <a:xfrm>
+          <a:off x="0" y="0"/>
+          <a:ext cx="0" cy="0"/>
+          <a:chOff x="0" y="0"/>
+          <a:chExt cx="0" cy="0"/>
+        </a:xfrm>
+      </p:grpSpPr>
+      <p:sp>
+        <p:nvSpPr>
+          <p:cNvPr id="2" name="Title 1">
+            <a:extLst>
+              <a:ext uri="{FF2B5EF4-FFF2-40B4-BE49-F238E27FC236}">
+                <a16:creationId xmlns:a16="http://schemas.microsoft.com/office/drawing/2014/main" id="{C6D7CCD7-2939-4930-89A4-7F975AFC861F}"/>
+              </a:ext>
+            </a:extLst>
+          </p:cNvPr>
+          <p:cNvSpPr>
+            <a:spLocks noGrp="1"/>
+          </p:cNvSpPr>
+          <p:nvPr>
+            <p:ph type="title"/>
+          </p:nvPr>
+        </p:nvSpPr>
+        <p:spPr>
+          <a:xfrm>
+            <a:off x="404293" y="288556"/>
+            <a:ext cx="8534400" cy="1507067"/>
+          </a:xfrm>
+        </p:spPr>
+        <p:txBody>
+          <a:bodyPr/>
+          <a:lstStyle/>
+          <a:p>
+            <a:r>
+              <a:rPr lang="en-AU" dirty="0"/>
+              <a:t>So what’s wrong with regular azure functions?</a:t>
+            </a:r>
+          </a:p>
+        </p:txBody>
+      </p:sp>
+      <p:sp>
+        <p:nvSpPr>
+          <p:cNvPr id="3" name="Content Placeholder 2">
+            <a:extLst>
+              <a:ext uri="{FF2B5EF4-FFF2-40B4-BE49-F238E27FC236}">
+                <a16:creationId xmlns:a16="http://schemas.microsoft.com/office/drawing/2014/main" id="{006E2002-5096-4D46-B5D4-D3B12F58A946}"/>
+              </a:ext>
+            </a:extLst>
+          </p:cNvPr>
+          <p:cNvSpPr>
+            <a:spLocks noGrp="1"/>
+          </p:cNvSpPr>
+          <p:nvPr>
+            <p:ph idx="1"/>
+          </p:nvPr>
+        </p:nvSpPr>
+        <p:spPr>
+          <a:xfrm>
+            <a:off x="562914" y="1795623"/>
+            <a:ext cx="8534400" cy="2145349"/>
+          </a:xfrm>
+        </p:spPr>
+        <p:txBody>
+          <a:bodyPr/>
+          <a:lstStyle/>
+          <a:p>
+            <a:r>
+              <a:rPr lang="en-AU" dirty="0"/>
+              <a:t>Function chaining:</a:t>
+            </a:r>
+          </a:p>
+          <a:p>
+            <a:pPr lvl="1"/>
+            <a:r>
+              <a:rPr lang="en-AU" dirty="0"/>
+              <a:t>How do we get progress status?</a:t>
+            </a:r>
+          </a:p>
+          <a:p>
+            <a:pPr lvl="1"/>
+            <a:r>
+              <a:rPr lang="en-AU" dirty="0"/>
+              <a:t>How do we cancel the flow?  Restart flow on error?</a:t>
+            </a:r>
+          </a:p>
+          <a:p>
+            <a:pPr lvl="1"/>
+            <a:r>
+              <a:rPr lang="en-AU" dirty="0"/>
+              <a:t>The logic of the work flow is distributed across our app.  Logic of workflow is not centralised.</a:t>
+            </a:r>
+          </a:p>
+        </p:txBody>
+      </p:sp>
+      <p:sp>
+        <p:nvSpPr>
+          <p:cNvPr id="5" name="Content Placeholder 2">
+            <a:extLst>
+              <a:ext uri="{FF2B5EF4-FFF2-40B4-BE49-F238E27FC236}">
+                <a16:creationId xmlns:a16="http://schemas.microsoft.com/office/drawing/2014/main" id="{736453E0-BDC0-4A84-979D-FEE517809A70}"/>
+              </a:ext>
+            </a:extLst>
+          </p:cNvPr>
+          <p:cNvSpPr txBox="1">
+            <a:spLocks/>
+          </p:cNvSpPr>
+          <p:nvPr/>
+        </p:nvSpPr>
+        <p:spPr>
+          <a:xfrm>
+            <a:off x="562914" y="3940972"/>
+            <a:ext cx="8534400" cy="2145349"/>
+          </a:xfrm>
+          <a:prstGeom prst="rect">
+            <a:avLst/>
+          </a:prstGeom>
+        </p:spPr>
+        <p:txBody>
+          <a:bodyPr vert="horz" lIns="91440" tIns="45720" rIns="91440" bIns="45720" rtlCol="0" anchor="ctr">
+            <a:normAutofit/>
+          </a:bodyPr>
+          <a:lstStyle>
+            <a:lvl1pPr marL="285750" indent="-285750" algn="l" defTabSz="457200" rtl="0" eaLnBrk="1" latinLnBrk="0" hangingPunct="1">
+              <a:spcBef>
+                <a:spcPct val="20000"/>
+              </a:spcBef>
+              <a:spcAft>
+                <a:spcPts val="600"/>
+              </a:spcAft>
+              <a:buClr>
+                <a:schemeClr val="tx1"/>
+              </a:buClr>
+              <a:buSzPct val="80000"/>
+              <a:buFont typeface="Wingdings 3" panose="05040102010807070707" pitchFamily="18" charset="2"/>
+              <a:buChar char=""/>
+              <a:defRPr sz="2000" kern="1200" cap="none">
+                <a:solidFill>
+                  <a:schemeClr val="bg2">
+                    <a:lumMod val="75000"/>
+                  </a:schemeClr>
+                </a:solidFill>
+                <a:effectLst/>
+                <a:latin typeface="+mn-lt"/>
+                <a:ea typeface="+mn-ea"/>
+                <a:cs typeface="+mn-cs"/>
+              </a:defRPr>
+            </a:lvl1pPr>
+            <a:lvl2pPr marL="742950" indent="-285750" algn="l" defTabSz="457200" rtl="0" eaLnBrk="1" latinLnBrk="0" hangingPunct="1">
+              <a:spcBef>
+                <a:spcPct val="20000"/>
+              </a:spcBef>
+              <a:spcAft>
+                <a:spcPts val="600"/>
+              </a:spcAft>
+              <a:buClr>
+                <a:schemeClr val="tx1"/>
+              </a:buClr>
+              <a:buSzPct val="80000"/>
+              <a:buFont typeface="Wingdings 3" panose="05040102010807070707" pitchFamily="18" charset="2"/>
+              <a:buChar char=""/>
+              <a:defRPr sz="1800" kern="1200" cap="none">
+                <a:solidFill>
+                  <a:schemeClr val="bg2">
+                    <a:lumMod val="75000"/>
+                  </a:schemeClr>
+                </a:solidFill>
+                <a:effectLst/>
+                <a:latin typeface="+mn-lt"/>
+                <a:ea typeface="+mn-ea"/>
+                <a:cs typeface="+mn-cs"/>
+              </a:defRPr>
+            </a:lvl2pPr>
+            <a:lvl3pPr marL="1200150" indent="-285750" algn="l" defTabSz="457200" rtl="0" eaLnBrk="1" latinLnBrk="0" hangingPunct="1">
+              <a:spcBef>
+                <a:spcPct val="20000"/>
+              </a:spcBef>
+              <a:spcAft>
+                <a:spcPts val="600"/>
+              </a:spcAft>
+              <a:buClr>
+                <a:schemeClr val="tx1"/>
+              </a:buClr>
+              <a:buSzPct val="80000"/>
+              <a:buFont typeface="Wingdings 3" panose="05040102010807070707" pitchFamily="18" charset="2"/>
+              <a:buChar char=""/>
+              <a:defRPr sz="1600" kern="1200" cap="none">
+                <a:solidFill>
+                  <a:schemeClr val="bg2">
+                    <a:lumMod val="75000"/>
+                  </a:schemeClr>
+                </a:solidFill>
+                <a:effectLst/>
+                <a:latin typeface="+mn-lt"/>
+                <a:ea typeface="+mn-ea"/>
+                <a:cs typeface="+mn-cs"/>
+              </a:defRPr>
+            </a:lvl3pPr>
+            <a:lvl4pPr marL="1543050" indent="-171450" algn="l" defTabSz="457200" rtl="0" eaLnBrk="1" latinLnBrk="0" hangingPunct="1">
+              <a:spcBef>
+                <a:spcPct val="20000"/>
+              </a:spcBef>
+              <a:spcAft>
+                <a:spcPts val="600"/>
+              </a:spcAft>
+              <a:buClr>
+                <a:schemeClr val="tx1"/>
+              </a:buClr>
+              <a:buSzPct val="80000"/>
+              <a:buFont typeface="Wingdings 3" panose="05040102010807070707" pitchFamily="18" charset="2"/>
+              <a:buChar char=""/>
+              <a:defRPr sz="1400" kern="1200" cap="none">
+                <a:solidFill>
+                  <a:schemeClr val="bg2">
+                    <a:lumMod val="75000"/>
+                  </a:schemeClr>
+                </a:solidFill>
+                <a:effectLst/>
+                <a:latin typeface="+mn-lt"/>
+                <a:ea typeface="+mn-ea"/>
+                <a:cs typeface="+mn-cs"/>
+              </a:defRPr>
+            </a:lvl4pPr>
+            <a:lvl5pPr marL="2000250" indent="-171450" algn="l" defTabSz="457200" rtl="0" eaLnBrk="1" latinLnBrk="0" hangingPunct="1">
+              <a:spcBef>
+                <a:spcPct val="20000"/>
+              </a:spcBef>
+              <a:spcAft>
+                <a:spcPts val="600"/>
+              </a:spcAft>
+              <a:buClr>
+                <a:schemeClr val="tx1"/>
+              </a:buClr>
+              <a:buSzPct val="80000"/>
+              <a:buFont typeface="Wingdings 3" panose="05040102010807070707" pitchFamily="18" charset="2"/>
+              <a:buChar char=""/>
+              <a:defRPr sz="1400" kern="1200" cap="none">
+                <a:solidFill>
+                  <a:schemeClr val="bg2">
+                    <a:lumMod val="75000"/>
+                  </a:schemeClr>
+                </a:solidFill>
+                <a:effectLst/>
+                <a:latin typeface="+mn-lt"/>
+                <a:ea typeface="+mn-ea"/>
+                <a:cs typeface="+mn-cs"/>
+              </a:defRPr>
+            </a:lvl5pPr>
+            <a:lvl6pPr marL="2514600" indent="-228600" algn="l" defTabSz="457200" rtl="0" eaLnBrk="1" latinLnBrk="0" hangingPunct="1">
+              <a:spcBef>
+                <a:spcPct val="20000"/>
+              </a:spcBef>
+              <a:spcAft>
+                <a:spcPts val="600"/>
+              </a:spcAft>
+              <a:buClr>
+                <a:schemeClr val="tx1"/>
+              </a:buClr>
+              <a:buSzPct val="80000"/>
+              <a:buFont typeface="Wingdings 3" panose="05040102010807070707" pitchFamily="18" charset="2"/>
+              <a:buChar char=""/>
+              <a:defRPr sz="1400" kern="1200" cap="none">
+                <a:solidFill>
+                  <a:schemeClr val="bg2">
+                    <a:lumMod val="75000"/>
+                  </a:schemeClr>
+                </a:solidFill>
+                <a:effectLst/>
+                <a:latin typeface="+mn-lt"/>
+                <a:ea typeface="+mn-ea"/>
+                <a:cs typeface="+mn-cs"/>
+              </a:defRPr>
+            </a:lvl6pPr>
+            <a:lvl7pPr marL="2971800" indent="-228600" algn="l" defTabSz="457200" rtl="0" eaLnBrk="1" latinLnBrk="0" hangingPunct="1">
+              <a:spcBef>
+                <a:spcPct val="20000"/>
+              </a:spcBef>
+              <a:spcAft>
+                <a:spcPts val="600"/>
+              </a:spcAft>
+              <a:buClr>
+                <a:schemeClr val="tx1"/>
+              </a:buClr>
+              <a:buSzPct val="80000"/>
+              <a:buFont typeface="Wingdings 3" panose="05040102010807070707" pitchFamily="18" charset="2"/>
+              <a:buChar char=""/>
+              <a:defRPr sz="1400" kern="1200" cap="none">
+                <a:solidFill>
+                  <a:schemeClr val="bg2">
+                    <a:lumMod val="75000"/>
+                  </a:schemeClr>
+                </a:solidFill>
+                <a:effectLst/>
+                <a:latin typeface="+mn-lt"/>
+                <a:ea typeface="+mn-ea"/>
+                <a:cs typeface="+mn-cs"/>
+              </a:defRPr>
+            </a:lvl7pPr>
+            <a:lvl8pPr marL="3429000" indent="-228600" algn="l" defTabSz="457200" rtl="0" eaLnBrk="1" latinLnBrk="0" hangingPunct="1">
+              <a:spcBef>
+                <a:spcPct val="20000"/>
+              </a:spcBef>
+              <a:spcAft>
+                <a:spcPts val="600"/>
+              </a:spcAft>
+              <a:buClr>
+                <a:schemeClr val="tx1"/>
+              </a:buClr>
+              <a:buSzPct val="80000"/>
+              <a:buFont typeface="Wingdings 3" panose="05040102010807070707" pitchFamily="18" charset="2"/>
+              <a:buChar char=""/>
+              <a:defRPr sz="1400" kern="1200" cap="none">
+                <a:solidFill>
+                  <a:schemeClr val="bg2">
+                    <a:lumMod val="75000"/>
+                  </a:schemeClr>
+                </a:solidFill>
+                <a:effectLst/>
+                <a:latin typeface="+mn-lt"/>
+                <a:ea typeface="+mn-ea"/>
+                <a:cs typeface="+mn-cs"/>
+              </a:defRPr>
+            </a:lvl8pPr>
+            <a:lvl9pPr marL="3886200" indent="-228600" algn="l" defTabSz="457200" rtl="0" eaLnBrk="1" latinLnBrk="0" hangingPunct="1">
+              <a:spcBef>
+                <a:spcPct val="20000"/>
+              </a:spcBef>
+              <a:spcAft>
+                <a:spcPts val="600"/>
+              </a:spcAft>
+              <a:buClr>
+                <a:schemeClr val="tx1"/>
+              </a:buClr>
+              <a:buSzPct val="80000"/>
+              <a:buFont typeface="Wingdings 3" panose="05040102010807070707" pitchFamily="18" charset="2"/>
+              <a:buChar char=""/>
+              <a:defRPr sz="1400" kern="1200" cap="none">
+                <a:solidFill>
+                  <a:schemeClr val="bg2">
+                    <a:lumMod val="75000"/>
+                  </a:schemeClr>
+                </a:solidFill>
+                <a:effectLst/>
+                <a:latin typeface="+mn-lt"/>
+                <a:ea typeface="+mn-ea"/>
+                <a:cs typeface="+mn-cs"/>
+              </a:defRPr>
+            </a:lvl9pPr>
+          </a:lstStyle>
+          <a:p>
+            <a:r>
+              <a:rPr lang="en-AU" dirty="0"/>
+              <a:t>Fan out:</a:t>
+            </a:r>
+          </a:p>
+          <a:p>
+            <a:pPr lvl="1"/>
+            <a:r>
+              <a:rPr lang="en-AU" dirty="0"/>
+              <a:t>How do we get progress status?</a:t>
+            </a:r>
+          </a:p>
+          <a:p>
+            <a:pPr lvl="1"/>
+            <a:r>
+              <a:rPr lang="en-AU" dirty="0"/>
+              <a:t>How do we cancel the flow? Restart flow on error?</a:t>
+            </a:r>
+          </a:p>
+          <a:p>
+            <a:pPr lvl="1"/>
+            <a:r>
+              <a:rPr lang="en-AU" dirty="0"/>
+              <a:t>How do we fan-in and continue </a:t>
+            </a:r>
+            <a:r>
+              <a:rPr lang="en-AU"/>
+              <a:t>the flow?</a:t>
+            </a:r>
+            <a:endParaRPr lang="en-AU" dirty="0"/>
+          </a:p>
+        </p:txBody>
+      </p:sp>
+    </p:spTree>
+    <p:extLst>
+      <p:ext uri="{BB962C8B-B14F-4D97-AF65-F5344CB8AC3E}">
+        <p14:creationId xmlns:p14="http://schemas.microsoft.com/office/powerpoint/2010/main" val="1221164392"/>
+      </p:ext>
+    </p:extLst>
+  </p:cSld>
+  <p:clrMapOvr>
+    <a:masterClrMapping/>
+  </p:clrMapOvr>
+</p:sld>
+</file>
+
 <file path=ppt/theme/theme1.xml><?xml version="1.0" encoding="utf-8"?>
 <a:theme xmlns:a="http://schemas.openxmlformats.org/drawingml/2006/main" name="Slice">
   <a:themeElements>
